--- a/SmartPatate.pptx
+++ b/SmartPatate.pptx
@@ -5,10 +5,10 @@
     <p:sldMasterId id="2147483660" r:id="rId2"/>
   </p:sldMasterIdLst>
   <p:notesMasterIdLst>
-    <p:notesMasterId r:id="rId8"/>
+    <p:notesMasterId r:id="rId9"/>
   </p:notesMasterIdLst>
   <p:handoutMasterIdLst>
-    <p:handoutMasterId r:id="rId9"/>
+    <p:handoutMasterId r:id="rId10"/>
   </p:handoutMasterIdLst>
   <p:sldIdLst>
     <p:sldId id="257" r:id="rId3"/>
@@ -16,6 +16,7 @@
     <p:sldId id="263" r:id="rId5"/>
     <p:sldId id="261" r:id="rId6"/>
     <p:sldId id="262" r:id="rId7"/>
+    <p:sldId id="264" r:id="rId8"/>
   </p:sldIdLst>
   <p:sldSz cx="12188825" cy="6858000"/>
   <p:notesSz cx="6858000" cy="9144000"/>
@@ -5179,7 +5180,7 @@
               <a:buNone/>
             </a:pPr>
             <a:r>
-              <a:rPr lang="en-GB" sz="5400" b="0" i="0" dirty="0" err="1">
+              <a:rPr lang="en-GB" sz="5400" b="0" i="0" dirty="0">
                 <a:solidFill>
                   <a:schemeClr val="tx1"/>
                 </a:solidFill>
@@ -5189,14 +5190,6 @@
               </a:rPr>
               <a:t>SmartPatate</a:t>
             </a:r>
-            <a:endParaRPr lang="en-GB" sz="5400" b="0" i="0" dirty="0">
-              <a:solidFill>
-                <a:schemeClr val="tx1"/>
-              </a:solidFill>
-              <a:latin typeface="Calibri"/>
-              <a:ea typeface="+mj-ea"/>
-              <a:cs typeface="+mj-cs"/>
-            </a:endParaRPr>
           </a:p>
         </p:txBody>
       </p:sp>
@@ -5240,23 +5233,7 @@
                   <a:srgbClr val="009999"/>
                 </a:solidFill>
               </a:rPr>
-              <a:t>Projet 1 </a:t>
-            </a:r>
-            <a:r>
-              <a:rPr lang="fr-FR" dirty="0" err="1">
-                <a:solidFill>
-                  <a:srgbClr val="009999"/>
-                </a:solidFill>
-              </a:rPr>
-              <a:t>exia-cesi</a:t>
-            </a:r>
-            <a:r>
-              <a:rPr lang="fr-FR" dirty="0">
-                <a:solidFill>
-                  <a:srgbClr val="009999"/>
-                </a:solidFill>
-              </a:rPr>
-              <a:t> </a:t>
+              <a:t>Projet 1 exia-cesi </a:t>
             </a:r>
           </a:p>
           <a:p>
@@ -5285,7 +5262,58 @@
                   <a:srgbClr val="009999"/>
                 </a:solidFill>
               </a:rPr>
-              <a:t>14/11/16-15/11-16</a:t>
+              <a:t>14/11/16-15/11/16</a:t>
+            </a:r>
+          </a:p>
+        </p:txBody>
+      </p:sp>
+      <p:sp>
+        <p:nvSpPr>
+          <p:cNvPr id="3" name="ZoneTexte 2"/>
+          <p:cNvSpPr txBox="1"/>
+          <p:nvPr/>
+        </p:nvSpPr>
+        <p:spPr>
+          <a:xfrm>
+            <a:off x="10360501" y="6021288"/>
+            <a:ext cx="2160240" cy="769441"/>
+          </a:xfrm>
+          <a:prstGeom prst="rect">
+            <a:avLst/>
+          </a:prstGeom>
+          <a:noFill/>
+        </p:spPr>
+        <p:txBody>
+          <a:bodyPr wrap="square" rtlCol="0">
+            <a:spAutoFit/>
+          </a:bodyPr>
+          <a:lstStyle/>
+          <a:p>
+            <a:r>
+              <a:rPr lang="fr-FR" sz="1100" dirty="0"/>
+              <a:t>Bazillio Nicola</a:t>
+            </a:r>
+          </a:p>
+          <a:p>
+            <a:r>
+              <a:rPr lang="fr-FR" sz="1100" dirty="0"/>
+              <a:t>Bernard Yoann</a:t>
+            </a:r>
+          </a:p>
+          <a:p>
+            <a:r>
+              <a:rPr lang="fr-FR" sz="1100" dirty="0"/>
+              <a:t>Blin Clément</a:t>
+            </a:r>
+          </a:p>
+          <a:p>
+            <a:r>
+              <a:rPr lang="fr-FR" sz="1100" dirty="0" err="1"/>
+              <a:t>Lhermine</a:t>
+            </a:r>
+            <a:r>
+              <a:rPr lang="fr-FR" sz="1100" dirty="0"/>
+              <a:t> Ludovic</a:t>
             </a:r>
           </a:p>
         </p:txBody>
@@ -5357,11 +5385,11 @@
             <a:pPr algn="ctr"/>
             <a:r>
               <a:rPr lang="en-US" dirty="0"/>
-              <a:t>Les </a:t>
+              <a:t> </a:t>
             </a:r>
             <a:r>
               <a:rPr lang="fr-FR" dirty="0"/>
-              <a:t>résultats</a:t>
+              <a:t>résultat</a:t>
             </a:r>
             <a:r>
               <a:rPr lang="en-US" dirty="0"/>
@@ -5369,7 +5397,7 @@
             </a:r>
             <a:r>
               <a:rPr lang="fr-FR" dirty="0"/>
-              <a:t>expériences</a:t>
+              <a:t>expérience</a:t>
             </a:r>
             <a:r>
               <a:rPr lang="en-US" dirty="0"/>
@@ -5388,12 +5416,36 @@
             <p:ph type="body" idx="1"/>
           </p:nvPr>
         </p:nvSpPr>
-        <p:spPr/>
+        <p:spPr>
+          <a:xfrm>
+            <a:off x="1845940" y="5637067"/>
+            <a:ext cx="7069519" cy="1220933"/>
+          </a:xfrm>
+        </p:spPr>
         <p:txBody>
           <a:bodyPr/>
           <a:lstStyle/>
           <a:p>
-            <a:endParaRPr lang="en-US" dirty="0"/>
+            <a:r>
+              <a:rPr lang="fr-FR" dirty="0"/>
+              <a:t>Graphe</a:t>
+            </a:r>
+            <a:r>
+              <a:rPr lang="en-US" dirty="0"/>
+              <a:t> de la tension </a:t>
+            </a:r>
+            <a:r>
+              <a:rPr lang="fr-FR" dirty="0"/>
+              <a:t>crête</a:t>
+            </a:r>
+            <a:r>
+              <a:rPr lang="en-US" dirty="0"/>
+              <a:t> Du prototype ci-</a:t>
+            </a:r>
+            <a:r>
+              <a:rPr lang="fr-FR" dirty="0"/>
+              <a:t>contre</a:t>
+            </a:r>
           </a:p>
         </p:txBody>
       </p:sp>
@@ -5419,8 +5471,8 @@
         </p:blipFill>
         <p:spPr>
           <a:xfrm>
-            <a:off x="477788" y="2077978"/>
-            <a:ext cx="5472609" cy="4094221"/>
+            <a:off x="909836" y="1550448"/>
+            <a:ext cx="5101287" cy="3816424"/>
           </a:xfrm>
           <a:prstGeom prst="rect">
             <a:avLst/>
@@ -5448,8 +5500,8 @@
         </p:blipFill>
         <p:spPr bwMode="auto">
           <a:xfrm rot="5400000">
-            <a:off x="7063655" y="2496313"/>
-            <a:ext cx="4343400" cy="3257550"/>
+            <a:off x="7614384" y="2046700"/>
+            <a:ext cx="3970017" cy="2977513"/>
           </a:xfrm>
           <a:prstGeom prst="rect">
             <a:avLst/>
@@ -5523,7 +5575,7 @@
         </p:blipFill>
         <p:spPr bwMode="auto">
           <a:xfrm>
-            <a:off x="2854052" y="518361"/>
+            <a:off x="333772" y="764704"/>
             <a:ext cx="5979235" cy="5286903"/>
           </a:xfrm>
           <a:prstGeom prst="rect">
@@ -5535,6 +5587,1344 @@
           </a:ln>
         </p:spPr>
       </p:pic>
+      <p:graphicFrame>
+        <p:nvGraphicFramePr>
+          <p:cNvPr id="3" name="Tableau 2"/>
+          <p:cNvGraphicFramePr>
+            <a:graphicFrameLocks noGrp="1"/>
+          </p:cNvGraphicFramePr>
+          <p:nvPr>
+            <p:extLst>
+              <p:ext uri="{D42A27DB-BD31-4B8C-83A1-F6EECF244321}">
+                <p14:modId xmlns:p14="http://schemas.microsoft.com/office/powerpoint/2010/main" val="366778564"/>
+              </p:ext>
+            </p:extLst>
+          </p:nvPr>
+        </p:nvGraphicFramePr>
+        <p:xfrm>
+          <a:off x="6454452" y="2580062"/>
+          <a:ext cx="5686061" cy="1656185"/>
+        </p:xfrm>
+        <a:graphic>
+          <a:graphicData uri="http://schemas.openxmlformats.org/drawingml/2006/table">
+            <a:tbl>
+              <a:tblPr firstRow="1" firstCol="1" bandRow="1">
+                <a:tableStyleId>{5C22544A-7EE6-4342-B048-85BDC9FD1C3A}</a:tableStyleId>
+              </a:tblPr>
+              <a:tblGrid>
+                <a:gridCol w="653258">
+                  <a:extLst>
+                    <a:ext uri="{9D8B030D-6E8A-4147-A177-3AD203B41FA5}">
+                      <a16:colId xmlns:a16="http://schemas.microsoft.com/office/drawing/2014/main" val="2510826618"/>
+                    </a:ext>
+                  </a:extLst>
+                </a:gridCol>
+                <a:gridCol w="415541">
+                  <a:extLst>
+                    <a:ext uri="{9D8B030D-6E8A-4147-A177-3AD203B41FA5}">
+                      <a16:colId xmlns:a16="http://schemas.microsoft.com/office/drawing/2014/main" val="791444197"/>
+                    </a:ext>
+                  </a:extLst>
+                </a:gridCol>
+                <a:gridCol w="414924">
+                  <a:extLst>
+                    <a:ext uri="{9D8B030D-6E8A-4147-A177-3AD203B41FA5}">
+                      <a16:colId xmlns:a16="http://schemas.microsoft.com/office/drawing/2014/main" val="228860463"/>
+                    </a:ext>
+                  </a:extLst>
+                </a:gridCol>
+                <a:gridCol w="439004">
+                  <a:extLst>
+                    <a:ext uri="{9D8B030D-6E8A-4147-A177-3AD203B41FA5}">
+                      <a16:colId xmlns:a16="http://schemas.microsoft.com/office/drawing/2014/main" val="599633620"/>
+                    </a:ext>
+                  </a:extLst>
+                </a:gridCol>
+                <a:gridCol w="440239">
+                  <a:extLst>
+                    <a:ext uri="{9D8B030D-6E8A-4147-A177-3AD203B41FA5}">
+                      <a16:colId xmlns:a16="http://schemas.microsoft.com/office/drawing/2014/main" val="3501444698"/>
+                    </a:ext>
+                  </a:extLst>
+                </a:gridCol>
+                <a:gridCol w="474199">
+                  <a:extLst>
+                    <a:ext uri="{9D8B030D-6E8A-4147-A177-3AD203B41FA5}">
+                      <a16:colId xmlns:a16="http://schemas.microsoft.com/office/drawing/2014/main" val="2953453491"/>
+                    </a:ext>
+                  </a:extLst>
+                </a:gridCol>
+                <a:gridCol w="484078">
+                  <a:extLst>
+                    <a:ext uri="{9D8B030D-6E8A-4147-A177-3AD203B41FA5}">
+                      <a16:colId xmlns:a16="http://schemas.microsoft.com/office/drawing/2014/main" val="2373545579"/>
+                    </a:ext>
+                  </a:extLst>
+                </a:gridCol>
+                <a:gridCol w="479755">
+                  <a:extLst>
+                    <a:ext uri="{9D8B030D-6E8A-4147-A177-3AD203B41FA5}">
+                      <a16:colId xmlns:a16="http://schemas.microsoft.com/office/drawing/2014/main" val="2255591072"/>
+                    </a:ext>
+                  </a:extLst>
+                </a:gridCol>
+                <a:gridCol w="474199">
+                  <a:extLst>
+                    <a:ext uri="{9D8B030D-6E8A-4147-A177-3AD203B41FA5}">
+                      <a16:colId xmlns:a16="http://schemas.microsoft.com/office/drawing/2014/main" val="870584902"/>
+                    </a:ext>
+                  </a:extLst>
+                </a:gridCol>
+                <a:gridCol w="480990">
+                  <a:extLst>
+                    <a:ext uri="{9D8B030D-6E8A-4147-A177-3AD203B41FA5}">
+                      <a16:colId xmlns:a16="http://schemas.microsoft.com/office/drawing/2014/main" val="1466105185"/>
+                    </a:ext>
+                  </a:extLst>
+                </a:gridCol>
+                <a:gridCol w="474199">
+                  <a:extLst>
+                    <a:ext uri="{9D8B030D-6E8A-4147-A177-3AD203B41FA5}">
+                      <a16:colId xmlns:a16="http://schemas.microsoft.com/office/drawing/2014/main" val="4226077735"/>
+                    </a:ext>
+                  </a:extLst>
+                </a:gridCol>
+                <a:gridCol w="455675">
+                  <a:extLst>
+                    <a:ext uri="{9D8B030D-6E8A-4147-A177-3AD203B41FA5}">
+                      <a16:colId xmlns:a16="http://schemas.microsoft.com/office/drawing/2014/main" val="485156727"/>
+                    </a:ext>
+                  </a:extLst>
+                </a:gridCol>
+              </a:tblGrid>
+              <a:tr h="199295">
+                <a:tc>
+                  <a:txBody>
+                    <a:bodyPr/>
+                    <a:lstStyle/>
+                    <a:p>
+                      <a:pPr algn="just">
+                        <a:lnSpc>
+                          <a:spcPct val="115000"/>
+                        </a:lnSpc>
+                        <a:spcBef>
+                          <a:spcPts val="500"/>
+                        </a:spcBef>
+                        <a:spcAft>
+                          <a:spcPts val="1000"/>
+                        </a:spcAft>
+                      </a:pPr>
+                      <a:r>
+                        <a:rPr lang="fr-FR" sz="800" dirty="0">
+                          <a:effectLst/>
+                        </a:rPr>
+                        <a:t>Fréquence</a:t>
+                      </a:r>
+                      <a:endParaRPr lang="fr-FR" sz="1100" dirty="0">
+                        <a:effectLst/>
+                        <a:latin typeface="Calibri" panose="020F0502020204030204" pitchFamily="34" charset="0"/>
+                        <a:ea typeface="Calibri" panose="020F0502020204030204" pitchFamily="34" charset="0"/>
+                        <a:cs typeface="Times New Roman" panose="02020603050405020304" pitchFamily="18" charset="0"/>
+                      </a:endParaRPr>
+                    </a:p>
+                  </a:txBody>
+                  <a:tcPr marL="68580" marR="68580" marT="0" marB="0"/>
+                </a:tc>
+                <a:tc>
+                  <a:txBody>
+                    <a:bodyPr/>
+                    <a:lstStyle/>
+                    <a:p>
+                      <a:pPr algn="just">
+                        <a:lnSpc>
+                          <a:spcPct val="115000"/>
+                        </a:lnSpc>
+                        <a:spcBef>
+                          <a:spcPts val="500"/>
+                        </a:spcBef>
+                        <a:spcAft>
+                          <a:spcPts val="1000"/>
+                        </a:spcAft>
+                      </a:pPr>
+                      <a:r>
+                        <a:rPr lang="fr-FR" sz="800" dirty="0">
+                          <a:effectLst/>
+                        </a:rPr>
+                        <a:t>500Hz</a:t>
+                      </a:r>
+                      <a:endParaRPr lang="fr-FR" sz="1100" dirty="0">
+                        <a:effectLst/>
+                        <a:latin typeface="Calibri" panose="020F0502020204030204" pitchFamily="34" charset="0"/>
+                        <a:ea typeface="Calibri" panose="020F0502020204030204" pitchFamily="34" charset="0"/>
+                        <a:cs typeface="Times New Roman" panose="02020603050405020304" pitchFamily="18" charset="0"/>
+                      </a:endParaRPr>
+                    </a:p>
+                  </a:txBody>
+                  <a:tcPr marL="68580" marR="68580" marT="0" marB="0"/>
+                </a:tc>
+                <a:tc>
+                  <a:txBody>
+                    <a:bodyPr/>
+                    <a:lstStyle/>
+                    <a:p>
+                      <a:pPr algn="just">
+                        <a:lnSpc>
+                          <a:spcPct val="115000"/>
+                        </a:lnSpc>
+                        <a:spcBef>
+                          <a:spcPts val="500"/>
+                        </a:spcBef>
+                        <a:spcAft>
+                          <a:spcPts val="1000"/>
+                        </a:spcAft>
+                      </a:pPr>
+                      <a:r>
+                        <a:rPr lang="fr-FR" sz="800" dirty="0">
+                          <a:effectLst/>
+                        </a:rPr>
+                        <a:t>1KHz</a:t>
+                      </a:r>
+                      <a:endParaRPr lang="fr-FR" sz="1100" dirty="0">
+                        <a:effectLst/>
+                        <a:latin typeface="Calibri" panose="020F0502020204030204" pitchFamily="34" charset="0"/>
+                        <a:ea typeface="Calibri" panose="020F0502020204030204" pitchFamily="34" charset="0"/>
+                        <a:cs typeface="Times New Roman" panose="02020603050405020304" pitchFamily="18" charset="0"/>
+                      </a:endParaRPr>
+                    </a:p>
+                  </a:txBody>
+                  <a:tcPr marL="68580" marR="68580" marT="0" marB="0"/>
+                </a:tc>
+                <a:tc>
+                  <a:txBody>
+                    <a:bodyPr/>
+                    <a:lstStyle/>
+                    <a:p>
+                      <a:pPr algn="just">
+                        <a:lnSpc>
+                          <a:spcPct val="115000"/>
+                        </a:lnSpc>
+                        <a:spcBef>
+                          <a:spcPts val="500"/>
+                        </a:spcBef>
+                        <a:spcAft>
+                          <a:spcPts val="1000"/>
+                        </a:spcAft>
+                      </a:pPr>
+                      <a:r>
+                        <a:rPr lang="fr-FR" sz="800" dirty="0">
+                          <a:effectLst/>
+                        </a:rPr>
+                        <a:t>10KHZ</a:t>
+                      </a:r>
+                      <a:endParaRPr lang="fr-FR" sz="1100" dirty="0">
+                        <a:effectLst/>
+                        <a:latin typeface="Calibri" panose="020F0502020204030204" pitchFamily="34" charset="0"/>
+                        <a:ea typeface="Calibri" panose="020F0502020204030204" pitchFamily="34" charset="0"/>
+                        <a:cs typeface="Times New Roman" panose="02020603050405020304" pitchFamily="18" charset="0"/>
+                      </a:endParaRPr>
+                    </a:p>
+                  </a:txBody>
+                  <a:tcPr marL="68580" marR="68580" marT="0" marB="0"/>
+                </a:tc>
+                <a:tc>
+                  <a:txBody>
+                    <a:bodyPr/>
+                    <a:lstStyle/>
+                    <a:p>
+                      <a:pPr algn="just">
+                        <a:lnSpc>
+                          <a:spcPct val="115000"/>
+                        </a:lnSpc>
+                        <a:spcBef>
+                          <a:spcPts val="500"/>
+                        </a:spcBef>
+                        <a:spcAft>
+                          <a:spcPts val="1000"/>
+                        </a:spcAft>
+                      </a:pPr>
+                      <a:r>
+                        <a:rPr lang="fr-FR" sz="800" dirty="0">
+                          <a:effectLst/>
+                        </a:rPr>
+                        <a:t>50KHZ</a:t>
+                      </a:r>
+                      <a:endParaRPr lang="fr-FR" sz="1100" dirty="0">
+                        <a:effectLst/>
+                        <a:latin typeface="Calibri" panose="020F0502020204030204" pitchFamily="34" charset="0"/>
+                        <a:ea typeface="Calibri" panose="020F0502020204030204" pitchFamily="34" charset="0"/>
+                        <a:cs typeface="Times New Roman" panose="02020603050405020304" pitchFamily="18" charset="0"/>
+                      </a:endParaRPr>
+                    </a:p>
+                  </a:txBody>
+                  <a:tcPr marL="68580" marR="68580" marT="0" marB="0"/>
+                </a:tc>
+                <a:tc>
+                  <a:txBody>
+                    <a:bodyPr/>
+                    <a:lstStyle/>
+                    <a:p>
+                      <a:pPr algn="just">
+                        <a:lnSpc>
+                          <a:spcPct val="115000"/>
+                        </a:lnSpc>
+                        <a:spcBef>
+                          <a:spcPts val="500"/>
+                        </a:spcBef>
+                        <a:spcAft>
+                          <a:spcPts val="1000"/>
+                        </a:spcAft>
+                      </a:pPr>
+                      <a:r>
+                        <a:rPr lang="fr-FR" sz="800" dirty="0">
+                          <a:effectLst/>
+                        </a:rPr>
+                        <a:t>100KHz</a:t>
+                      </a:r>
+                      <a:endParaRPr lang="fr-FR" sz="1100" dirty="0">
+                        <a:effectLst/>
+                        <a:latin typeface="Calibri" panose="020F0502020204030204" pitchFamily="34" charset="0"/>
+                        <a:ea typeface="Calibri" panose="020F0502020204030204" pitchFamily="34" charset="0"/>
+                        <a:cs typeface="Times New Roman" panose="02020603050405020304" pitchFamily="18" charset="0"/>
+                      </a:endParaRPr>
+                    </a:p>
+                  </a:txBody>
+                  <a:tcPr marL="68580" marR="68580" marT="0" marB="0"/>
+                </a:tc>
+                <a:tc>
+                  <a:txBody>
+                    <a:bodyPr/>
+                    <a:lstStyle/>
+                    <a:p>
+                      <a:pPr algn="just">
+                        <a:lnSpc>
+                          <a:spcPct val="115000"/>
+                        </a:lnSpc>
+                        <a:spcBef>
+                          <a:spcPts val="500"/>
+                        </a:spcBef>
+                        <a:spcAft>
+                          <a:spcPts val="1000"/>
+                        </a:spcAft>
+                      </a:pPr>
+                      <a:r>
+                        <a:rPr lang="fr-FR" sz="800" dirty="0">
+                          <a:effectLst/>
+                        </a:rPr>
+                        <a:t>200KHz</a:t>
+                      </a:r>
+                      <a:endParaRPr lang="fr-FR" sz="1100" dirty="0">
+                        <a:effectLst/>
+                        <a:latin typeface="Calibri" panose="020F0502020204030204" pitchFamily="34" charset="0"/>
+                        <a:ea typeface="Calibri" panose="020F0502020204030204" pitchFamily="34" charset="0"/>
+                        <a:cs typeface="Times New Roman" panose="02020603050405020304" pitchFamily="18" charset="0"/>
+                      </a:endParaRPr>
+                    </a:p>
+                  </a:txBody>
+                  <a:tcPr marL="68580" marR="68580" marT="0" marB="0"/>
+                </a:tc>
+                <a:tc>
+                  <a:txBody>
+                    <a:bodyPr/>
+                    <a:lstStyle/>
+                    <a:p>
+                      <a:pPr algn="just">
+                        <a:lnSpc>
+                          <a:spcPct val="115000"/>
+                        </a:lnSpc>
+                        <a:spcBef>
+                          <a:spcPts val="500"/>
+                        </a:spcBef>
+                        <a:spcAft>
+                          <a:spcPts val="1000"/>
+                        </a:spcAft>
+                      </a:pPr>
+                      <a:r>
+                        <a:rPr lang="fr-FR" sz="800" dirty="0">
+                          <a:effectLst/>
+                        </a:rPr>
+                        <a:t>300KHz</a:t>
+                      </a:r>
+                      <a:endParaRPr lang="fr-FR" sz="1100" dirty="0">
+                        <a:effectLst/>
+                        <a:latin typeface="Calibri" panose="020F0502020204030204" pitchFamily="34" charset="0"/>
+                        <a:ea typeface="Calibri" panose="020F0502020204030204" pitchFamily="34" charset="0"/>
+                        <a:cs typeface="Times New Roman" panose="02020603050405020304" pitchFamily="18" charset="0"/>
+                      </a:endParaRPr>
+                    </a:p>
+                  </a:txBody>
+                  <a:tcPr marL="68580" marR="68580" marT="0" marB="0"/>
+                </a:tc>
+                <a:tc>
+                  <a:txBody>
+                    <a:bodyPr/>
+                    <a:lstStyle/>
+                    <a:p>
+                      <a:pPr algn="just">
+                        <a:lnSpc>
+                          <a:spcPct val="115000"/>
+                        </a:lnSpc>
+                        <a:spcBef>
+                          <a:spcPts val="500"/>
+                        </a:spcBef>
+                        <a:spcAft>
+                          <a:spcPts val="1000"/>
+                        </a:spcAft>
+                      </a:pPr>
+                      <a:r>
+                        <a:rPr lang="fr-FR" sz="800" dirty="0">
+                          <a:effectLst/>
+                        </a:rPr>
+                        <a:t>400KHz</a:t>
+                      </a:r>
+                      <a:endParaRPr lang="fr-FR" sz="1100" dirty="0">
+                        <a:effectLst/>
+                        <a:latin typeface="Calibri" panose="020F0502020204030204" pitchFamily="34" charset="0"/>
+                        <a:ea typeface="Calibri" panose="020F0502020204030204" pitchFamily="34" charset="0"/>
+                        <a:cs typeface="Times New Roman" panose="02020603050405020304" pitchFamily="18" charset="0"/>
+                      </a:endParaRPr>
+                    </a:p>
+                  </a:txBody>
+                  <a:tcPr marL="68580" marR="68580" marT="0" marB="0"/>
+                </a:tc>
+                <a:tc>
+                  <a:txBody>
+                    <a:bodyPr/>
+                    <a:lstStyle/>
+                    <a:p>
+                      <a:pPr algn="just">
+                        <a:lnSpc>
+                          <a:spcPct val="115000"/>
+                        </a:lnSpc>
+                        <a:spcBef>
+                          <a:spcPts val="500"/>
+                        </a:spcBef>
+                        <a:spcAft>
+                          <a:spcPts val="1000"/>
+                        </a:spcAft>
+                      </a:pPr>
+                      <a:r>
+                        <a:rPr lang="fr-FR" sz="800" dirty="0">
+                          <a:effectLst/>
+                        </a:rPr>
+                        <a:t>500KHz</a:t>
+                      </a:r>
+                      <a:endParaRPr lang="fr-FR" sz="1100" dirty="0">
+                        <a:effectLst/>
+                        <a:latin typeface="Calibri" panose="020F0502020204030204" pitchFamily="34" charset="0"/>
+                        <a:ea typeface="Calibri" panose="020F0502020204030204" pitchFamily="34" charset="0"/>
+                        <a:cs typeface="Times New Roman" panose="02020603050405020304" pitchFamily="18" charset="0"/>
+                      </a:endParaRPr>
+                    </a:p>
+                  </a:txBody>
+                  <a:tcPr marL="68580" marR="68580" marT="0" marB="0"/>
+                </a:tc>
+                <a:tc>
+                  <a:txBody>
+                    <a:bodyPr/>
+                    <a:lstStyle/>
+                    <a:p>
+                      <a:pPr algn="just">
+                        <a:lnSpc>
+                          <a:spcPct val="115000"/>
+                        </a:lnSpc>
+                        <a:spcBef>
+                          <a:spcPts val="500"/>
+                        </a:spcBef>
+                        <a:spcAft>
+                          <a:spcPts val="1000"/>
+                        </a:spcAft>
+                      </a:pPr>
+                      <a:r>
+                        <a:rPr lang="fr-FR" sz="800" dirty="0">
+                          <a:effectLst/>
+                        </a:rPr>
+                        <a:t>600KHz</a:t>
+                      </a:r>
+                      <a:endParaRPr lang="fr-FR" sz="1100" dirty="0">
+                        <a:effectLst/>
+                        <a:latin typeface="Calibri" panose="020F0502020204030204" pitchFamily="34" charset="0"/>
+                        <a:ea typeface="Calibri" panose="020F0502020204030204" pitchFamily="34" charset="0"/>
+                        <a:cs typeface="Times New Roman" panose="02020603050405020304" pitchFamily="18" charset="0"/>
+                      </a:endParaRPr>
+                    </a:p>
+                  </a:txBody>
+                  <a:tcPr marL="68580" marR="68580" marT="0" marB="0"/>
+                </a:tc>
+                <a:tc>
+                  <a:txBody>
+                    <a:bodyPr/>
+                    <a:lstStyle/>
+                    <a:p>
+                      <a:pPr algn="ctr">
+                        <a:lnSpc>
+                          <a:spcPct val="115000"/>
+                        </a:lnSpc>
+                        <a:spcBef>
+                          <a:spcPts val="500"/>
+                        </a:spcBef>
+                        <a:spcAft>
+                          <a:spcPts val="1000"/>
+                        </a:spcAft>
+                      </a:pPr>
+                      <a:r>
+                        <a:rPr lang="fr-FR" sz="800" dirty="0">
+                          <a:effectLst/>
+                        </a:rPr>
+                        <a:t>1MHz</a:t>
+                      </a:r>
+                      <a:endParaRPr lang="fr-FR" sz="1100" dirty="0">
+                        <a:effectLst/>
+                        <a:latin typeface="Calibri" panose="020F0502020204030204" pitchFamily="34" charset="0"/>
+                        <a:ea typeface="Calibri" panose="020F0502020204030204" pitchFamily="34" charset="0"/>
+                        <a:cs typeface="Times New Roman" panose="02020603050405020304" pitchFamily="18" charset="0"/>
+                      </a:endParaRPr>
+                    </a:p>
+                  </a:txBody>
+                  <a:tcPr marL="68580" marR="68580" marT="0" marB="0"/>
+                </a:tc>
+                <a:extLst>
+                  <a:ext uri="{0D108BD9-81ED-4DB2-BD59-A6C34878D82A}">
+                    <a16:rowId xmlns:a16="http://schemas.microsoft.com/office/drawing/2014/main" val="2289450427"/>
+                  </a:ext>
+                </a:extLst>
+              </a:tr>
+              <a:tr h="834275">
+                <a:tc>
+                  <a:txBody>
+                    <a:bodyPr/>
+                    <a:lstStyle/>
+                    <a:p>
+                      <a:pPr algn="just">
+                        <a:lnSpc>
+                          <a:spcPct val="115000"/>
+                        </a:lnSpc>
+                        <a:spcBef>
+                          <a:spcPts val="500"/>
+                        </a:spcBef>
+                        <a:spcAft>
+                          <a:spcPts val="1000"/>
+                        </a:spcAft>
+                      </a:pPr>
+                      <a:r>
+                        <a:rPr lang="fr-FR" sz="800" dirty="0">
+                          <a:effectLst/>
+                        </a:rPr>
+                        <a:t>Tension crête à crête pas touché (V)</a:t>
+                      </a:r>
+                      <a:endParaRPr lang="fr-FR" sz="1100" dirty="0">
+                        <a:effectLst/>
+                        <a:latin typeface="Calibri" panose="020F0502020204030204" pitchFamily="34" charset="0"/>
+                        <a:ea typeface="Calibri" panose="020F0502020204030204" pitchFamily="34" charset="0"/>
+                        <a:cs typeface="Times New Roman" panose="02020603050405020304" pitchFamily="18" charset="0"/>
+                      </a:endParaRPr>
+                    </a:p>
+                  </a:txBody>
+                  <a:tcPr marL="68580" marR="68580" marT="0" marB="0"/>
+                </a:tc>
+                <a:tc>
+                  <a:txBody>
+                    <a:bodyPr/>
+                    <a:lstStyle/>
+                    <a:p>
+                      <a:pPr algn="ctr">
+                        <a:lnSpc>
+                          <a:spcPct val="115000"/>
+                        </a:lnSpc>
+                        <a:spcBef>
+                          <a:spcPts val="500"/>
+                        </a:spcBef>
+                        <a:spcAft>
+                          <a:spcPts val="1000"/>
+                        </a:spcAft>
+                      </a:pPr>
+                      <a:r>
+                        <a:rPr lang="fr-FR" sz="1000" dirty="0">
+                          <a:effectLst/>
+                        </a:rPr>
+                        <a:t>5.000</a:t>
+                      </a:r>
+                      <a:endParaRPr lang="fr-FR" sz="1100" dirty="0">
+                        <a:effectLst/>
+                        <a:latin typeface="Calibri" panose="020F0502020204030204" pitchFamily="34" charset="0"/>
+                        <a:ea typeface="Calibri" panose="020F0502020204030204" pitchFamily="34" charset="0"/>
+                        <a:cs typeface="Times New Roman" panose="02020603050405020304" pitchFamily="18" charset="0"/>
+                      </a:endParaRPr>
+                    </a:p>
+                  </a:txBody>
+                  <a:tcPr marL="68580" marR="68580" marT="0" marB="0"/>
+                </a:tc>
+                <a:tc>
+                  <a:txBody>
+                    <a:bodyPr/>
+                    <a:lstStyle/>
+                    <a:p>
+                      <a:pPr algn="ctr">
+                        <a:lnSpc>
+                          <a:spcPct val="115000"/>
+                        </a:lnSpc>
+                        <a:spcBef>
+                          <a:spcPts val="500"/>
+                        </a:spcBef>
+                        <a:spcAft>
+                          <a:spcPts val="1000"/>
+                        </a:spcAft>
+                      </a:pPr>
+                      <a:r>
+                        <a:rPr lang="fr-FR" sz="1000" dirty="0">
+                          <a:effectLst/>
+                        </a:rPr>
+                        <a:t>5.000</a:t>
+                      </a:r>
+                      <a:endParaRPr lang="fr-FR" sz="1100" dirty="0">
+                        <a:effectLst/>
+                        <a:latin typeface="Calibri" panose="020F0502020204030204" pitchFamily="34" charset="0"/>
+                        <a:ea typeface="Calibri" panose="020F0502020204030204" pitchFamily="34" charset="0"/>
+                        <a:cs typeface="Times New Roman" panose="02020603050405020304" pitchFamily="18" charset="0"/>
+                      </a:endParaRPr>
+                    </a:p>
+                  </a:txBody>
+                  <a:tcPr marL="68580" marR="68580" marT="0" marB="0"/>
+                </a:tc>
+                <a:tc>
+                  <a:txBody>
+                    <a:bodyPr/>
+                    <a:lstStyle/>
+                    <a:p>
+                      <a:pPr algn="ctr">
+                        <a:lnSpc>
+                          <a:spcPct val="115000"/>
+                        </a:lnSpc>
+                        <a:spcBef>
+                          <a:spcPts val="500"/>
+                        </a:spcBef>
+                        <a:spcAft>
+                          <a:spcPts val="1000"/>
+                        </a:spcAft>
+                      </a:pPr>
+                      <a:r>
+                        <a:rPr lang="fr-FR" sz="1000" dirty="0">
+                          <a:effectLst/>
+                        </a:rPr>
+                        <a:t>5.000</a:t>
+                      </a:r>
+                      <a:endParaRPr lang="fr-FR" sz="1100" dirty="0">
+                        <a:effectLst/>
+                        <a:latin typeface="Calibri" panose="020F0502020204030204" pitchFamily="34" charset="0"/>
+                        <a:ea typeface="Calibri" panose="020F0502020204030204" pitchFamily="34" charset="0"/>
+                        <a:cs typeface="Times New Roman" panose="02020603050405020304" pitchFamily="18" charset="0"/>
+                      </a:endParaRPr>
+                    </a:p>
+                  </a:txBody>
+                  <a:tcPr marL="68580" marR="68580" marT="0" marB="0"/>
+                </a:tc>
+                <a:tc>
+                  <a:txBody>
+                    <a:bodyPr/>
+                    <a:lstStyle/>
+                    <a:p>
+                      <a:pPr algn="ctr">
+                        <a:lnSpc>
+                          <a:spcPct val="115000"/>
+                        </a:lnSpc>
+                        <a:spcBef>
+                          <a:spcPts val="500"/>
+                        </a:spcBef>
+                        <a:spcAft>
+                          <a:spcPts val="1000"/>
+                        </a:spcAft>
+                      </a:pPr>
+                      <a:r>
+                        <a:rPr lang="fr-FR" sz="1000" dirty="0">
+                          <a:effectLst/>
+                        </a:rPr>
+                        <a:t>5.000</a:t>
+                      </a:r>
+                      <a:endParaRPr lang="fr-FR" sz="1100" dirty="0">
+                        <a:effectLst/>
+                        <a:latin typeface="Calibri" panose="020F0502020204030204" pitchFamily="34" charset="0"/>
+                        <a:ea typeface="Calibri" panose="020F0502020204030204" pitchFamily="34" charset="0"/>
+                        <a:cs typeface="Times New Roman" panose="02020603050405020304" pitchFamily="18" charset="0"/>
+                      </a:endParaRPr>
+                    </a:p>
+                  </a:txBody>
+                  <a:tcPr marL="68580" marR="68580" marT="0" marB="0"/>
+                </a:tc>
+                <a:tc>
+                  <a:txBody>
+                    <a:bodyPr/>
+                    <a:lstStyle/>
+                    <a:p>
+                      <a:pPr algn="ctr">
+                        <a:lnSpc>
+                          <a:spcPct val="115000"/>
+                        </a:lnSpc>
+                        <a:spcBef>
+                          <a:spcPts val="500"/>
+                        </a:spcBef>
+                        <a:spcAft>
+                          <a:spcPts val="1000"/>
+                        </a:spcAft>
+                      </a:pPr>
+                      <a:r>
+                        <a:rPr lang="fr-FR" sz="1000" dirty="0">
+                          <a:effectLst/>
+                        </a:rPr>
+                        <a:t>5.000</a:t>
+                      </a:r>
+                      <a:endParaRPr lang="fr-FR" sz="1100" dirty="0">
+                        <a:effectLst/>
+                        <a:latin typeface="Calibri" panose="020F0502020204030204" pitchFamily="34" charset="0"/>
+                        <a:ea typeface="Calibri" panose="020F0502020204030204" pitchFamily="34" charset="0"/>
+                        <a:cs typeface="Times New Roman" panose="02020603050405020304" pitchFamily="18" charset="0"/>
+                      </a:endParaRPr>
+                    </a:p>
+                  </a:txBody>
+                  <a:tcPr marL="68580" marR="68580" marT="0" marB="0"/>
+                </a:tc>
+                <a:tc>
+                  <a:txBody>
+                    <a:bodyPr/>
+                    <a:lstStyle/>
+                    <a:p>
+                      <a:pPr algn="ctr">
+                        <a:lnSpc>
+                          <a:spcPct val="115000"/>
+                        </a:lnSpc>
+                        <a:spcBef>
+                          <a:spcPts val="500"/>
+                        </a:spcBef>
+                        <a:spcAft>
+                          <a:spcPts val="1000"/>
+                        </a:spcAft>
+                      </a:pPr>
+                      <a:r>
+                        <a:rPr lang="fr-FR" sz="1000" dirty="0">
+                          <a:effectLst/>
+                        </a:rPr>
+                        <a:t>5.000</a:t>
+                      </a:r>
+                      <a:endParaRPr lang="fr-FR" sz="1100" dirty="0">
+                        <a:effectLst/>
+                        <a:latin typeface="Calibri" panose="020F0502020204030204" pitchFamily="34" charset="0"/>
+                        <a:ea typeface="Calibri" panose="020F0502020204030204" pitchFamily="34" charset="0"/>
+                        <a:cs typeface="Times New Roman" panose="02020603050405020304" pitchFamily="18" charset="0"/>
+                      </a:endParaRPr>
+                    </a:p>
+                  </a:txBody>
+                  <a:tcPr marL="68580" marR="68580" marT="0" marB="0"/>
+                </a:tc>
+                <a:tc>
+                  <a:txBody>
+                    <a:bodyPr/>
+                    <a:lstStyle/>
+                    <a:p>
+                      <a:pPr algn="ctr">
+                        <a:lnSpc>
+                          <a:spcPct val="115000"/>
+                        </a:lnSpc>
+                        <a:spcBef>
+                          <a:spcPts val="500"/>
+                        </a:spcBef>
+                        <a:spcAft>
+                          <a:spcPts val="1000"/>
+                        </a:spcAft>
+                      </a:pPr>
+                      <a:r>
+                        <a:rPr lang="fr-FR" sz="1000" dirty="0">
+                          <a:effectLst/>
+                        </a:rPr>
+                        <a:t>4.375</a:t>
+                      </a:r>
+                      <a:endParaRPr lang="fr-FR" sz="1100" dirty="0">
+                        <a:effectLst/>
+                        <a:latin typeface="Calibri" panose="020F0502020204030204" pitchFamily="34" charset="0"/>
+                        <a:ea typeface="Calibri" panose="020F0502020204030204" pitchFamily="34" charset="0"/>
+                        <a:cs typeface="Times New Roman" panose="02020603050405020304" pitchFamily="18" charset="0"/>
+                      </a:endParaRPr>
+                    </a:p>
+                  </a:txBody>
+                  <a:tcPr marL="68580" marR="68580" marT="0" marB="0"/>
+                </a:tc>
+                <a:tc>
+                  <a:txBody>
+                    <a:bodyPr/>
+                    <a:lstStyle/>
+                    <a:p>
+                      <a:pPr algn="ctr">
+                        <a:lnSpc>
+                          <a:spcPct val="115000"/>
+                        </a:lnSpc>
+                        <a:spcBef>
+                          <a:spcPts val="500"/>
+                        </a:spcBef>
+                        <a:spcAft>
+                          <a:spcPts val="1000"/>
+                        </a:spcAft>
+                      </a:pPr>
+                      <a:r>
+                        <a:rPr lang="fr-FR" sz="1000" dirty="0">
+                          <a:effectLst/>
+                        </a:rPr>
+                        <a:t>3.237</a:t>
+                      </a:r>
+                      <a:endParaRPr lang="fr-FR" sz="1100" dirty="0">
+                        <a:effectLst/>
+                        <a:latin typeface="Calibri" panose="020F0502020204030204" pitchFamily="34" charset="0"/>
+                        <a:ea typeface="Calibri" panose="020F0502020204030204" pitchFamily="34" charset="0"/>
+                        <a:cs typeface="Times New Roman" panose="02020603050405020304" pitchFamily="18" charset="0"/>
+                      </a:endParaRPr>
+                    </a:p>
+                  </a:txBody>
+                  <a:tcPr marL="68580" marR="68580" marT="0" marB="0"/>
+                </a:tc>
+                <a:tc>
+                  <a:txBody>
+                    <a:bodyPr/>
+                    <a:lstStyle/>
+                    <a:p>
+                      <a:pPr algn="ctr">
+                        <a:lnSpc>
+                          <a:spcPct val="115000"/>
+                        </a:lnSpc>
+                        <a:spcBef>
+                          <a:spcPts val="500"/>
+                        </a:spcBef>
+                        <a:spcAft>
+                          <a:spcPts val="1000"/>
+                        </a:spcAft>
+                      </a:pPr>
+                      <a:r>
+                        <a:rPr lang="fr-FR" sz="1000" dirty="0">
+                          <a:effectLst/>
+                        </a:rPr>
+                        <a:t>2.575</a:t>
+                      </a:r>
+                      <a:endParaRPr lang="fr-FR" sz="1100" dirty="0">
+                        <a:effectLst/>
+                        <a:latin typeface="Calibri" panose="020F0502020204030204" pitchFamily="34" charset="0"/>
+                        <a:ea typeface="Calibri" panose="020F0502020204030204" pitchFamily="34" charset="0"/>
+                        <a:cs typeface="Times New Roman" panose="02020603050405020304" pitchFamily="18" charset="0"/>
+                      </a:endParaRPr>
+                    </a:p>
+                  </a:txBody>
+                  <a:tcPr marL="68580" marR="68580" marT="0" marB="0"/>
+                </a:tc>
+                <a:tc>
+                  <a:txBody>
+                    <a:bodyPr/>
+                    <a:lstStyle/>
+                    <a:p>
+                      <a:pPr algn="ctr">
+                        <a:lnSpc>
+                          <a:spcPct val="115000"/>
+                        </a:lnSpc>
+                        <a:spcBef>
+                          <a:spcPts val="500"/>
+                        </a:spcBef>
+                        <a:spcAft>
+                          <a:spcPts val="1000"/>
+                        </a:spcAft>
+                      </a:pPr>
+                      <a:r>
+                        <a:rPr lang="fr-FR" sz="1000" dirty="0">
+                          <a:effectLst/>
+                        </a:rPr>
+                        <a:t>2.000</a:t>
+                      </a:r>
+                      <a:endParaRPr lang="fr-FR" sz="1100" dirty="0">
+                        <a:effectLst/>
+                      </a:endParaRPr>
+                    </a:p>
+                    <a:p>
+                      <a:pPr algn="ctr">
+                        <a:lnSpc>
+                          <a:spcPct val="115000"/>
+                        </a:lnSpc>
+                        <a:spcBef>
+                          <a:spcPts val="500"/>
+                        </a:spcBef>
+                        <a:spcAft>
+                          <a:spcPts val="1000"/>
+                        </a:spcAft>
+                      </a:pPr>
+                      <a:r>
+                        <a:rPr lang="fr-FR" sz="1000" dirty="0">
+                          <a:effectLst/>
+                        </a:rPr>
+                        <a:t> </a:t>
+                      </a:r>
+                      <a:endParaRPr lang="fr-FR" sz="1100" dirty="0">
+                        <a:effectLst/>
+                        <a:latin typeface="Calibri" panose="020F0502020204030204" pitchFamily="34" charset="0"/>
+                        <a:ea typeface="Calibri" panose="020F0502020204030204" pitchFamily="34" charset="0"/>
+                        <a:cs typeface="Times New Roman" panose="02020603050405020304" pitchFamily="18" charset="0"/>
+                      </a:endParaRPr>
+                    </a:p>
+                  </a:txBody>
+                  <a:tcPr marL="68580" marR="68580" marT="0" marB="0"/>
+                </a:tc>
+                <a:tc>
+                  <a:txBody>
+                    <a:bodyPr/>
+                    <a:lstStyle/>
+                    <a:p>
+                      <a:pPr algn="ctr">
+                        <a:lnSpc>
+                          <a:spcPct val="115000"/>
+                        </a:lnSpc>
+                        <a:spcBef>
+                          <a:spcPts val="500"/>
+                        </a:spcBef>
+                        <a:spcAft>
+                          <a:spcPts val="1000"/>
+                        </a:spcAft>
+                      </a:pPr>
+                      <a:r>
+                        <a:rPr lang="fr-FR" sz="1000" dirty="0">
+                          <a:effectLst/>
+                        </a:rPr>
+                        <a:t>0.625</a:t>
+                      </a:r>
+                      <a:endParaRPr lang="fr-FR" sz="1100" dirty="0">
+                        <a:effectLst/>
+                        <a:latin typeface="Calibri" panose="020F0502020204030204" pitchFamily="34" charset="0"/>
+                        <a:ea typeface="Calibri" panose="020F0502020204030204" pitchFamily="34" charset="0"/>
+                        <a:cs typeface="Times New Roman" panose="02020603050405020304" pitchFamily="18" charset="0"/>
+                      </a:endParaRPr>
+                    </a:p>
+                  </a:txBody>
+                  <a:tcPr marL="68580" marR="68580" marT="0" marB="0"/>
+                </a:tc>
+                <a:extLst>
+                  <a:ext uri="{0D108BD9-81ED-4DB2-BD59-A6C34878D82A}">
+                    <a16:rowId xmlns:a16="http://schemas.microsoft.com/office/drawing/2014/main" val="1649381191"/>
+                  </a:ext>
+                </a:extLst>
+              </a:tr>
+              <a:tr h="622615">
+                <a:tc>
+                  <a:txBody>
+                    <a:bodyPr/>
+                    <a:lstStyle/>
+                    <a:p>
+                      <a:pPr algn="just">
+                        <a:lnSpc>
+                          <a:spcPct val="115000"/>
+                        </a:lnSpc>
+                        <a:spcBef>
+                          <a:spcPts val="500"/>
+                        </a:spcBef>
+                        <a:spcAft>
+                          <a:spcPts val="1000"/>
+                        </a:spcAft>
+                      </a:pPr>
+                      <a:r>
+                        <a:rPr lang="fr-FR" sz="800" dirty="0">
+                          <a:effectLst/>
+                        </a:rPr>
+                        <a:t>Tension crête à crête touché (V)</a:t>
+                      </a:r>
+                      <a:endParaRPr lang="fr-FR" sz="1100" dirty="0">
+                        <a:effectLst/>
+                        <a:latin typeface="Calibri" panose="020F0502020204030204" pitchFamily="34" charset="0"/>
+                        <a:ea typeface="Calibri" panose="020F0502020204030204" pitchFamily="34" charset="0"/>
+                        <a:cs typeface="Times New Roman" panose="02020603050405020304" pitchFamily="18" charset="0"/>
+                      </a:endParaRPr>
+                    </a:p>
+                  </a:txBody>
+                  <a:tcPr marL="68580" marR="68580" marT="0" marB="0"/>
+                </a:tc>
+                <a:tc>
+                  <a:txBody>
+                    <a:bodyPr/>
+                    <a:lstStyle/>
+                    <a:p>
+                      <a:pPr algn="ctr">
+                        <a:lnSpc>
+                          <a:spcPct val="115000"/>
+                        </a:lnSpc>
+                        <a:spcBef>
+                          <a:spcPts val="500"/>
+                        </a:spcBef>
+                        <a:spcAft>
+                          <a:spcPts val="1000"/>
+                        </a:spcAft>
+                      </a:pPr>
+                      <a:r>
+                        <a:rPr lang="fr-FR" sz="1000" dirty="0">
+                          <a:effectLst/>
+                        </a:rPr>
+                        <a:t>5.000</a:t>
+                      </a:r>
+                      <a:endParaRPr lang="fr-FR" sz="1100" dirty="0">
+                        <a:effectLst/>
+                        <a:latin typeface="Calibri" panose="020F0502020204030204" pitchFamily="34" charset="0"/>
+                        <a:ea typeface="Calibri" panose="020F0502020204030204" pitchFamily="34" charset="0"/>
+                        <a:cs typeface="Times New Roman" panose="02020603050405020304" pitchFamily="18" charset="0"/>
+                      </a:endParaRPr>
+                    </a:p>
+                  </a:txBody>
+                  <a:tcPr marL="68580" marR="68580" marT="0" marB="0"/>
+                </a:tc>
+                <a:tc>
+                  <a:txBody>
+                    <a:bodyPr/>
+                    <a:lstStyle/>
+                    <a:p>
+                      <a:pPr algn="ctr">
+                        <a:lnSpc>
+                          <a:spcPct val="115000"/>
+                        </a:lnSpc>
+                        <a:spcBef>
+                          <a:spcPts val="500"/>
+                        </a:spcBef>
+                        <a:spcAft>
+                          <a:spcPts val="1000"/>
+                        </a:spcAft>
+                      </a:pPr>
+                      <a:r>
+                        <a:rPr lang="fr-FR" sz="1000" dirty="0">
+                          <a:effectLst/>
+                        </a:rPr>
+                        <a:t>5.000</a:t>
+                      </a:r>
+                      <a:endParaRPr lang="fr-FR" sz="1100" dirty="0">
+                        <a:effectLst/>
+                        <a:latin typeface="Calibri" panose="020F0502020204030204" pitchFamily="34" charset="0"/>
+                        <a:ea typeface="Calibri" panose="020F0502020204030204" pitchFamily="34" charset="0"/>
+                        <a:cs typeface="Times New Roman" panose="02020603050405020304" pitchFamily="18" charset="0"/>
+                      </a:endParaRPr>
+                    </a:p>
+                  </a:txBody>
+                  <a:tcPr marL="68580" marR="68580" marT="0" marB="0"/>
+                </a:tc>
+                <a:tc>
+                  <a:txBody>
+                    <a:bodyPr/>
+                    <a:lstStyle/>
+                    <a:p>
+                      <a:pPr algn="ctr">
+                        <a:lnSpc>
+                          <a:spcPct val="115000"/>
+                        </a:lnSpc>
+                        <a:spcBef>
+                          <a:spcPts val="500"/>
+                        </a:spcBef>
+                        <a:spcAft>
+                          <a:spcPts val="1000"/>
+                        </a:spcAft>
+                      </a:pPr>
+                      <a:r>
+                        <a:rPr lang="fr-FR" sz="1000" dirty="0">
+                          <a:effectLst/>
+                        </a:rPr>
+                        <a:t>5.000</a:t>
+                      </a:r>
+                      <a:endParaRPr lang="fr-FR" sz="1100" dirty="0">
+                        <a:effectLst/>
+                        <a:latin typeface="Calibri" panose="020F0502020204030204" pitchFamily="34" charset="0"/>
+                        <a:ea typeface="Calibri" panose="020F0502020204030204" pitchFamily="34" charset="0"/>
+                        <a:cs typeface="Times New Roman" panose="02020603050405020304" pitchFamily="18" charset="0"/>
+                      </a:endParaRPr>
+                    </a:p>
+                  </a:txBody>
+                  <a:tcPr marL="68580" marR="68580" marT="0" marB="0"/>
+                </a:tc>
+                <a:tc>
+                  <a:txBody>
+                    <a:bodyPr/>
+                    <a:lstStyle/>
+                    <a:p>
+                      <a:pPr algn="ctr">
+                        <a:lnSpc>
+                          <a:spcPct val="115000"/>
+                        </a:lnSpc>
+                        <a:spcBef>
+                          <a:spcPts val="500"/>
+                        </a:spcBef>
+                        <a:spcAft>
+                          <a:spcPts val="1000"/>
+                        </a:spcAft>
+                      </a:pPr>
+                      <a:r>
+                        <a:rPr lang="fr-FR" sz="1000" dirty="0">
+                          <a:effectLst/>
+                        </a:rPr>
+                        <a:t>5.000</a:t>
+                      </a:r>
+                      <a:endParaRPr lang="fr-FR" sz="1100" dirty="0">
+                        <a:effectLst/>
+                        <a:latin typeface="Calibri" panose="020F0502020204030204" pitchFamily="34" charset="0"/>
+                        <a:ea typeface="Calibri" panose="020F0502020204030204" pitchFamily="34" charset="0"/>
+                        <a:cs typeface="Times New Roman" panose="02020603050405020304" pitchFamily="18" charset="0"/>
+                      </a:endParaRPr>
+                    </a:p>
+                  </a:txBody>
+                  <a:tcPr marL="68580" marR="68580" marT="0" marB="0"/>
+                </a:tc>
+                <a:tc>
+                  <a:txBody>
+                    <a:bodyPr/>
+                    <a:lstStyle/>
+                    <a:p>
+                      <a:pPr algn="ctr">
+                        <a:lnSpc>
+                          <a:spcPct val="115000"/>
+                        </a:lnSpc>
+                        <a:spcBef>
+                          <a:spcPts val="500"/>
+                        </a:spcBef>
+                        <a:spcAft>
+                          <a:spcPts val="1000"/>
+                        </a:spcAft>
+                      </a:pPr>
+                      <a:r>
+                        <a:rPr lang="fr-FR" sz="1000" dirty="0">
+                          <a:effectLst/>
+                        </a:rPr>
+                        <a:t>5.000</a:t>
+                      </a:r>
+                      <a:endParaRPr lang="fr-FR" sz="1100" dirty="0">
+                        <a:effectLst/>
+                        <a:latin typeface="Calibri" panose="020F0502020204030204" pitchFamily="34" charset="0"/>
+                        <a:ea typeface="Calibri" panose="020F0502020204030204" pitchFamily="34" charset="0"/>
+                        <a:cs typeface="Times New Roman" panose="02020603050405020304" pitchFamily="18" charset="0"/>
+                      </a:endParaRPr>
+                    </a:p>
+                  </a:txBody>
+                  <a:tcPr marL="68580" marR="68580" marT="0" marB="0"/>
+                </a:tc>
+                <a:tc>
+                  <a:txBody>
+                    <a:bodyPr/>
+                    <a:lstStyle/>
+                    <a:p>
+                      <a:pPr algn="ctr">
+                        <a:lnSpc>
+                          <a:spcPct val="115000"/>
+                        </a:lnSpc>
+                        <a:spcBef>
+                          <a:spcPts val="500"/>
+                        </a:spcBef>
+                        <a:spcAft>
+                          <a:spcPts val="1000"/>
+                        </a:spcAft>
+                      </a:pPr>
+                      <a:r>
+                        <a:rPr lang="fr-FR" sz="1000" dirty="0">
+                          <a:effectLst/>
+                        </a:rPr>
+                        <a:t>5.000</a:t>
+                      </a:r>
+                      <a:endParaRPr lang="fr-FR" sz="1100" dirty="0">
+                        <a:effectLst/>
+                        <a:latin typeface="Calibri" panose="020F0502020204030204" pitchFamily="34" charset="0"/>
+                        <a:ea typeface="Calibri" panose="020F0502020204030204" pitchFamily="34" charset="0"/>
+                        <a:cs typeface="Times New Roman" panose="02020603050405020304" pitchFamily="18" charset="0"/>
+                      </a:endParaRPr>
+                    </a:p>
+                  </a:txBody>
+                  <a:tcPr marL="68580" marR="68580" marT="0" marB="0"/>
+                </a:tc>
+                <a:tc>
+                  <a:txBody>
+                    <a:bodyPr/>
+                    <a:lstStyle/>
+                    <a:p>
+                      <a:pPr algn="ctr">
+                        <a:lnSpc>
+                          <a:spcPct val="115000"/>
+                        </a:lnSpc>
+                        <a:spcBef>
+                          <a:spcPts val="500"/>
+                        </a:spcBef>
+                        <a:spcAft>
+                          <a:spcPts val="1000"/>
+                        </a:spcAft>
+                      </a:pPr>
+                      <a:r>
+                        <a:rPr lang="fr-FR" sz="1000" dirty="0">
+                          <a:effectLst/>
+                        </a:rPr>
+                        <a:t>4.375</a:t>
+                      </a:r>
+                      <a:endParaRPr lang="fr-FR" sz="1100" dirty="0">
+                        <a:effectLst/>
+                        <a:latin typeface="Calibri" panose="020F0502020204030204" pitchFamily="34" charset="0"/>
+                        <a:ea typeface="Calibri" panose="020F0502020204030204" pitchFamily="34" charset="0"/>
+                        <a:cs typeface="Times New Roman" panose="02020603050405020304" pitchFamily="18" charset="0"/>
+                      </a:endParaRPr>
+                    </a:p>
+                  </a:txBody>
+                  <a:tcPr marL="68580" marR="68580" marT="0" marB="0"/>
+                </a:tc>
+                <a:tc>
+                  <a:txBody>
+                    <a:bodyPr/>
+                    <a:lstStyle/>
+                    <a:p>
+                      <a:pPr algn="ctr">
+                        <a:lnSpc>
+                          <a:spcPct val="115000"/>
+                        </a:lnSpc>
+                        <a:spcBef>
+                          <a:spcPts val="500"/>
+                        </a:spcBef>
+                        <a:spcAft>
+                          <a:spcPts val="1000"/>
+                        </a:spcAft>
+                      </a:pPr>
+                      <a:r>
+                        <a:rPr lang="fr-FR" sz="1000" dirty="0">
+                          <a:effectLst/>
+                        </a:rPr>
+                        <a:t>3.200</a:t>
+                      </a:r>
+                      <a:endParaRPr lang="fr-FR" sz="1100" dirty="0">
+                        <a:effectLst/>
+                        <a:latin typeface="Calibri" panose="020F0502020204030204" pitchFamily="34" charset="0"/>
+                        <a:ea typeface="Calibri" panose="020F0502020204030204" pitchFamily="34" charset="0"/>
+                        <a:cs typeface="Times New Roman" panose="02020603050405020304" pitchFamily="18" charset="0"/>
+                      </a:endParaRPr>
+                    </a:p>
+                  </a:txBody>
+                  <a:tcPr marL="68580" marR="68580" marT="0" marB="0"/>
+                </a:tc>
+                <a:tc>
+                  <a:txBody>
+                    <a:bodyPr/>
+                    <a:lstStyle/>
+                    <a:p>
+                      <a:pPr algn="ctr">
+                        <a:lnSpc>
+                          <a:spcPct val="115000"/>
+                        </a:lnSpc>
+                        <a:spcBef>
+                          <a:spcPts val="500"/>
+                        </a:spcBef>
+                        <a:spcAft>
+                          <a:spcPts val="1000"/>
+                        </a:spcAft>
+                      </a:pPr>
+                      <a:r>
+                        <a:rPr lang="fr-FR" sz="1000" dirty="0">
+                          <a:effectLst/>
+                        </a:rPr>
+                        <a:t>2.575</a:t>
+                      </a:r>
+                      <a:endParaRPr lang="fr-FR" sz="1100" dirty="0">
+                        <a:effectLst/>
+                        <a:latin typeface="Calibri" panose="020F0502020204030204" pitchFamily="34" charset="0"/>
+                        <a:ea typeface="Calibri" panose="020F0502020204030204" pitchFamily="34" charset="0"/>
+                        <a:cs typeface="Times New Roman" panose="02020603050405020304" pitchFamily="18" charset="0"/>
+                      </a:endParaRPr>
+                    </a:p>
+                  </a:txBody>
+                  <a:tcPr marL="68580" marR="68580" marT="0" marB="0"/>
+                </a:tc>
+                <a:tc>
+                  <a:txBody>
+                    <a:bodyPr/>
+                    <a:lstStyle/>
+                    <a:p>
+                      <a:pPr algn="ctr">
+                        <a:lnSpc>
+                          <a:spcPct val="115000"/>
+                        </a:lnSpc>
+                        <a:spcBef>
+                          <a:spcPts val="500"/>
+                        </a:spcBef>
+                        <a:spcAft>
+                          <a:spcPts val="1000"/>
+                        </a:spcAft>
+                      </a:pPr>
+                      <a:r>
+                        <a:rPr lang="fr-FR" sz="1000" dirty="0">
+                          <a:effectLst/>
+                        </a:rPr>
+                        <a:t>1.900</a:t>
+                      </a:r>
+                      <a:endParaRPr lang="fr-FR" sz="1100" dirty="0">
+                        <a:effectLst/>
+                        <a:latin typeface="Calibri" panose="020F0502020204030204" pitchFamily="34" charset="0"/>
+                        <a:ea typeface="Calibri" panose="020F0502020204030204" pitchFamily="34" charset="0"/>
+                        <a:cs typeface="Times New Roman" panose="02020603050405020304" pitchFamily="18" charset="0"/>
+                      </a:endParaRPr>
+                    </a:p>
+                  </a:txBody>
+                  <a:tcPr marL="68580" marR="68580" marT="0" marB="0"/>
+                </a:tc>
+                <a:tc>
+                  <a:txBody>
+                    <a:bodyPr/>
+                    <a:lstStyle/>
+                    <a:p>
+                      <a:pPr algn="ctr">
+                        <a:lnSpc>
+                          <a:spcPct val="115000"/>
+                        </a:lnSpc>
+                        <a:spcBef>
+                          <a:spcPts val="500"/>
+                        </a:spcBef>
+                        <a:spcAft>
+                          <a:spcPts val="1000"/>
+                        </a:spcAft>
+                      </a:pPr>
+                      <a:r>
+                        <a:rPr lang="fr-FR" sz="1000" dirty="0">
+                          <a:effectLst/>
+                        </a:rPr>
+                        <a:t>0.490</a:t>
+                      </a:r>
+                      <a:endParaRPr lang="fr-FR" sz="1100" dirty="0">
+                        <a:effectLst/>
+                        <a:latin typeface="Calibri" panose="020F0502020204030204" pitchFamily="34" charset="0"/>
+                        <a:ea typeface="Calibri" panose="020F0502020204030204" pitchFamily="34" charset="0"/>
+                        <a:cs typeface="Times New Roman" panose="02020603050405020304" pitchFamily="18" charset="0"/>
+                      </a:endParaRPr>
+                    </a:p>
+                  </a:txBody>
+                  <a:tcPr marL="68580" marR="68580" marT="0" marB="0"/>
+                </a:tc>
+                <a:extLst>
+                  <a:ext uri="{0D108BD9-81ED-4DB2-BD59-A6C34878D82A}">
+                    <a16:rowId xmlns:a16="http://schemas.microsoft.com/office/drawing/2014/main" val="3272097654"/>
+                  </a:ext>
+                </a:extLst>
+              </a:tr>
+            </a:tbl>
+          </a:graphicData>
+        </a:graphic>
+      </p:graphicFrame>
+      <p:sp>
+        <p:nvSpPr>
+          <p:cNvPr id="5" name="ZoneTexte 4"/>
+          <p:cNvSpPr txBox="1"/>
+          <p:nvPr/>
+        </p:nvSpPr>
+        <p:spPr>
+          <a:xfrm>
+            <a:off x="6670476" y="1196752"/>
+            <a:ext cx="4176464" cy="954107"/>
+          </a:xfrm>
+          <a:prstGeom prst="rect">
+            <a:avLst/>
+          </a:prstGeom>
+          <a:noFill/>
+        </p:spPr>
+        <p:txBody>
+          <a:bodyPr wrap="square" rtlCol="0">
+            <a:spAutoFit/>
+          </a:bodyPr>
+          <a:lstStyle/>
+          <a:p>
+            <a:r>
+              <a:rPr lang="fr-FR" sz="2800" dirty="0"/>
+              <a:t>Tableau et graphe de l’expérience 1 </a:t>
+            </a:r>
+          </a:p>
+        </p:txBody>
+      </p:sp>
     </p:spTree>
     <p:extLst>
       <p:ext uri="{BB962C8B-B14F-4D97-AF65-F5344CB8AC3E}">
@@ -5613,9 +7003,9 @@
       </p:sp>
       <p:pic>
         <p:nvPicPr>
-          <p:cNvPr id="1026" name="Picture 2" descr="MONTAGE"/>
+          <p:cNvPr id="5" name="Image 4"/>
           <p:cNvPicPr>
-            <a:picLocks noChangeAspect="1" noChangeArrowheads="1"/>
+            <a:picLocks noChangeAspect="1"/>
           </p:cNvPicPr>
           <p:nvPr/>
         </p:nvPicPr>
@@ -5627,44 +7017,49 @@
               </a:ext>
             </a:extLst>
           </a:blip>
-          <a:srcRect/>
           <a:stretch>
             <a:fillRect/>
           </a:stretch>
         </p:blipFill>
-        <p:spPr bwMode="auto">
+        <p:spPr>
           <a:xfrm>
-            <a:off x="2998068" y="1556792"/>
-            <a:ext cx="6552728" cy="4912737"/>
+            <a:off x="261764" y="1425560"/>
+            <a:ext cx="6858000" cy="5143500"/>
+          </a:xfrm>
+          <a:prstGeom prst="rect">
+            <a:avLst/>
+          </a:prstGeom>
+        </p:spPr>
+      </p:pic>
+      <p:sp>
+        <p:nvSpPr>
+          <p:cNvPr id="2" name="ZoneTexte 1"/>
+          <p:cNvSpPr txBox="1"/>
+          <p:nvPr/>
+        </p:nvSpPr>
+        <p:spPr>
+          <a:xfrm>
+            <a:off x="7318548" y="3043203"/>
+            <a:ext cx="4608512" cy="954107"/>
           </a:xfrm>
           <a:prstGeom prst="rect">
             <a:avLst/>
           </a:prstGeom>
           <a:noFill/>
-          <a:ln>
-            <a:noFill/>
-          </a:ln>
-          <a:extLst>
-            <a:ext uri="{909E8E84-426E-40DD-AFC4-6F175D3DCCD1}">
-              <a14:hiddenFill xmlns:a14="http://schemas.microsoft.com/office/drawing/2010/main">
-                <a:solidFill>
-                  <a:srgbClr val="FFFFFF"/>
-                </a:solidFill>
-              </a14:hiddenFill>
-            </a:ext>
-            <a:ext uri="{91240B29-F687-4F45-9708-019B960494DF}">
-              <a14:hiddenLine xmlns:a14="http://schemas.microsoft.com/office/drawing/2010/main" w="9525">
-                <a:solidFill>
-                  <a:srgbClr val="000000"/>
-                </a:solidFill>
-                <a:miter lim="800000"/>
-                <a:headEnd/>
-                <a:tailEnd/>
-              </a14:hiddenLine>
-            </a:ext>
-          </a:extLst>
         </p:spPr>
-      </p:pic>
+        <p:txBody>
+          <a:bodyPr wrap="square" rtlCol="0">
+            <a:spAutoFit/>
+          </a:bodyPr>
+          <a:lstStyle/>
+          <a:p>
+            <a:r>
+              <a:rPr lang="fr-FR" sz="2800" dirty="0"/>
+              <a:t>Montage final du prototype de SmartPatate</a:t>
+            </a:r>
+          </a:p>
+        </p:txBody>
+      </p:sp>
     </p:spTree>
     <p:extLst>
       <p:ext uri="{BB962C8B-B14F-4D97-AF65-F5344CB8AC3E}">
@@ -5717,12 +7112,49 @@
             <p:ph type="title"/>
           </p:nvPr>
         </p:nvSpPr>
-        <p:spPr/>
+        <p:spPr>
+          <a:xfrm>
+            <a:off x="1218883" y="274637"/>
+            <a:ext cx="10360501" cy="706091"/>
+          </a:xfrm>
+        </p:spPr>
         <p:txBody>
           <a:bodyPr/>
           <a:lstStyle/>
           <a:p>
-            <a:endParaRPr lang="en-US" dirty="0"/>
+            <a:pPr algn="ctr"/>
+            <a:r>
+              <a:rPr lang="fr-FR" dirty="0"/>
+              <a:t>Calibrage</a:t>
+            </a:r>
+            <a:r>
+              <a:rPr lang="en-US" dirty="0"/>
+              <a:t> de </a:t>
+            </a:r>
+            <a:r>
+              <a:rPr lang="fr-FR" dirty="0"/>
+              <a:t>notre</a:t>
+            </a:r>
+            <a:r>
+              <a:rPr lang="en-US" dirty="0"/>
+              <a:t> </a:t>
+            </a:r>
+            <a:r>
+              <a:rPr lang="fr-FR" dirty="0"/>
+              <a:t>pomme</a:t>
+            </a:r>
+            <a:r>
+              <a:rPr lang="en-US" dirty="0"/>
+              <a:t> de </a:t>
+            </a:r>
+            <a:r>
+              <a:rPr lang="fr-FR" dirty="0"/>
+              <a:t>terre</a:t>
+            </a:r>
+            <a:r>
+              <a:rPr lang="en-US" dirty="0"/>
+              <a:t> </a:t>
+            </a:r>
           </a:p>
         </p:txBody>
       </p:sp>
@@ -5748,7 +7180,7 @@
         </p:blipFill>
         <p:spPr>
           <a:xfrm>
-            <a:off x="1839758" y="1124744"/>
+            <a:off x="1629916" y="1268760"/>
             <a:ext cx="9118749" cy="4787343"/>
           </a:xfrm>
           <a:prstGeom prst="rect">
@@ -5760,6 +7192,77 @@
     <p:extLst>
       <p:ext uri="{BB962C8B-B14F-4D97-AF65-F5344CB8AC3E}">
         <p14:creationId xmlns:p14="http://schemas.microsoft.com/office/powerpoint/2010/main" val="397710800"/>
+      </p:ext>
+    </p:extLst>
+  </p:cSld>
+  <p:clrMapOvr>
+    <a:masterClrMapping/>
+  </p:clrMapOvr>
+  <mc:AlternateContent xmlns:mc="http://schemas.openxmlformats.org/markup-compatibility/2006" xmlns:p14="http://schemas.microsoft.com/office/powerpoint/2010/main">
+    <mc:Choice Requires="p14">
+      <p:transition spd="med" p14:dur="700">
+        <p:fade/>
+      </p:transition>
+    </mc:Choice>
+    <mc:Fallback xmlns="">
+      <p:transition spd="med">
+        <p:fade/>
+      </p:transition>
+    </mc:Fallback>
+  </mc:AlternateContent>
+</p:sld>
+</file>
+
+<file path=ppt/slides/slide6.xml><?xml version="1.0" encoding="utf-8"?>
+<p:sld xmlns:a="http://schemas.openxmlformats.org/drawingml/2006/main" xmlns:r="http://schemas.openxmlformats.org/officeDocument/2006/relationships" xmlns:p="http://schemas.openxmlformats.org/presentationml/2006/main">
+  <p:cSld>
+    <p:spTree>
+      <p:nvGrpSpPr>
+        <p:cNvPr id="1" name=""/>
+        <p:cNvGrpSpPr/>
+        <p:nvPr/>
+      </p:nvGrpSpPr>
+      <p:grpSpPr>
+        <a:xfrm>
+          <a:off x="0" y="0"/>
+          <a:ext cx="0" cy="0"/>
+          <a:chOff x="0" y="0"/>
+          <a:chExt cx="0" cy="0"/>
+        </a:xfrm>
+      </p:grpSpPr>
+      <p:sp>
+        <p:nvSpPr>
+          <p:cNvPr id="2" name="Titre 1"/>
+          <p:cNvSpPr>
+            <a:spLocks noGrp="1"/>
+          </p:cNvSpPr>
+          <p:nvPr>
+            <p:ph type="title"/>
+          </p:nvPr>
+        </p:nvSpPr>
+        <p:spPr>
+          <a:xfrm>
+            <a:off x="693812" y="260648"/>
+            <a:ext cx="11245612" cy="3600400"/>
+          </a:xfrm>
+        </p:spPr>
+        <p:txBody>
+          <a:bodyPr>
+            <a:normAutofit/>
+          </a:bodyPr>
+          <a:lstStyle/>
+          <a:p>
+            <a:r>
+              <a:rPr lang="fr-FR" sz="7800" dirty="0"/>
+              <a:t>Merci de votre attention !!</a:t>
+            </a:r>
+          </a:p>
+        </p:txBody>
+      </p:sp>
+    </p:spTree>
+    <p:extLst>
+      <p:ext uri="{BB962C8B-B14F-4D97-AF65-F5344CB8AC3E}">
+        <p14:creationId xmlns:p14="http://schemas.microsoft.com/office/powerpoint/2010/main" val="2917079500"/>
       </p:ext>
     </p:extLst>
   </p:cSld>
